--- a/figures/boltzmann-noisy-human.pptx
+++ b/figures/boltzmann-noisy-human.pptx
@@ -197,7 +197,7 @@
           <a:p>
             <a:fld id="{F675D2CB-6B2A-A948-9EB0-21A1E14BAD71}" type="datetimeFigureOut">
               <a:rPr lang="en-US" smtClean="0"/>
-              <a:t>5/16/17</a:t>
+              <a:t>5/18/17</a:t>
             </a:fld>
             <a:endParaRPr lang="en-US"/>
           </a:p>
@@ -596,7 +596,7 @@
           <a:p>
             <a:fld id="{6BEE9317-30CC-7C49-B555-F232CBED8BD6}" type="datetimeFigureOut">
               <a:rPr lang="en-US" smtClean="0"/>
-              <a:t>5/16/17</a:t>
+              <a:t>5/18/17</a:t>
             </a:fld>
             <a:endParaRPr lang="en-US"/>
           </a:p>
@@ -761,7 +761,7 @@
           <a:p>
             <a:fld id="{6BEE9317-30CC-7C49-B555-F232CBED8BD6}" type="datetimeFigureOut">
               <a:rPr lang="en-US" smtClean="0"/>
-              <a:t>5/16/17</a:t>
+              <a:t>5/18/17</a:t>
             </a:fld>
             <a:endParaRPr lang="en-US"/>
           </a:p>
@@ -936,7 +936,7 @@
           <a:p>
             <a:fld id="{6BEE9317-30CC-7C49-B555-F232CBED8BD6}" type="datetimeFigureOut">
               <a:rPr lang="en-US" smtClean="0"/>
-              <a:t>5/16/17</a:t>
+              <a:t>5/18/17</a:t>
             </a:fld>
             <a:endParaRPr lang="en-US"/>
           </a:p>
@@ -1101,7 +1101,7 @@
           <a:p>
             <a:fld id="{6BEE9317-30CC-7C49-B555-F232CBED8BD6}" type="datetimeFigureOut">
               <a:rPr lang="en-US" smtClean="0"/>
-              <a:t>5/16/17</a:t>
+              <a:t>5/18/17</a:t>
             </a:fld>
             <a:endParaRPr lang="en-US"/>
           </a:p>
@@ -1340,7 +1340,7 @@
           <a:p>
             <a:fld id="{6BEE9317-30CC-7C49-B555-F232CBED8BD6}" type="datetimeFigureOut">
               <a:rPr lang="en-US" smtClean="0"/>
-              <a:t>5/16/17</a:t>
+              <a:t>5/18/17</a:t>
             </a:fld>
             <a:endParaRPr lang="en-US"/>
           </a:p>
@@ -1567,7 +1567,7 @@
           <a:p>
             <a:fld id="{6BEE9317-30CC-7C49-B555-F232CBED8BD6}" type="datetimeFigureOut">
               <a:rPr lang="en-US" smtClean="0"/>
-              <a:t>5/16/17</a:t>
+              <a:t>5/18/17</a:t>
             </a:fld>
             <a:endParaRPr lang="en-US"/>
           </a:p>
@@ -1929,7 +1929,7 @@
           <a:p>
             <a:fld id="{6BEE9317-30CC-7C49-B555-F232CBED8BD6}" type="datetimeFigureOut">
               <a:rPr lang="en-US" smtClean="0"/>
-              <a:t>5/16/17</a:t>
+              <a:t>5/18/17</a:t>
             </a:fld>
             <a:endParaRPr lang="en-US"/>
           </a:p>
@@ -2042,7 +2042,7 @@
           <a:p>
             <a:fld id="{6BEE9317-30CC-7C49-B555-F232CBED8BD6}" type="datetimeFigureOut">
               <a:rPr lang="en-US" smtClean="0"/>
-              <a:t>5/16/17</a:t>
+              <a:t>5/18/17</a:t>
             </a:fld>
             <a:endParaRPr lang="en-US"/>
           </a:p>
@@ -2132,7 +2132,7 @@
           <a:p>
             <a:fld id="{6BEE9317-30CC-7C49-B555-F232CBED8BD6}" type="datetimeFigureOut">
               <a:rPr lang="en-US" smtClean="0"/>
-              <a:t>5/16/17</a:t>
+              <a:t>5/18/17</a:t>
             </a:fld>
             <a:endParaRPr lang="en-US"/>
           </a:p>
@@ -2404,7 +2404,7 @@
           <a:p>
             <a:fld id="{6BEE9317-30CC-7C49-B555-F232CBED8BD6}" type="datetimeFigureOut">
               <a:rPr lang="en-US" smtClean="0"/>
-              <a:t>5/16/17</a:t>
+              <a:t>5/18/17</a:t>
             </a:fld>
             <a:endParaRPr lang="en-US"/>
           </a:p>
@@ -2656,7 +2656,7 @@
           <a:p>
             <a:fld id="{6BEE9317-30CC-7C49-B555-F232CBED8BD6}" type="datetimeFigureOut">
               <a:rPr lang="en-US" smtClean="0"/>
-              <a:t>5/16/17</a:t>
+              <a:t>5/18/17</a:t>
             </a:fld>
             <a:endParaRPr lang="en-US"/>
           </a:p>
@@ -2864,7 +2864,7 @@
           <a:p>
             <a:fld id="{6BEE9317-30CC-7C49-B555-F232CBED8BD6}" type="datetimeFigureOut">
               <a:rPr lang="en-US" smtClean="0"/>
-              <a:t>5/16/17</a:t>
+              <a:t>5/18/17</a:t>
             </a:fld>
             <a:endParaRPr lang="en-US"/>
           </a:p>
@@ -3269,6 +3269,36 @@
           <a:chExt cx="0" cy="0"/>
         </a:xfrm>
       </p:grpSpPr>
+      <p:pic>
+        <p:nvPicPr>
+          <p:cNvPr id="3" name="Picture 2"/>
+          <p:cNvPicPr>
+            <a:picLocks noChangeAspect="1"/>
+          </p:cNvPicPr>
+          <p:nvPr/>
+        </p:nvPicPr>
+        <p:blipFill>
+          <a:blip r:embed="rId2">
+            <a:extLst>
+              <a:ext uri="{28A0092B-C50C-407E-A947-70E740481C1C}">
+                <a14:useLocalDpi xmlns:a14="http://schemas.microsoft.com/office/drawing/2010/main" val="0"/>
+              </a:ext>
+            </a:extLst>
+          </a:blip>
+          <a:stretch>
+            <a:fillRect/>
+          </a:stretch>
+        </p:blipFill>
+        <p:spPr>
+          <a:xfrm>
+            <a:off x="-34725" y="65844"/>
+            <a:ext cx="8193024" cy="6144768"/>
+          </a:xfrm>
+          <a:prstGeom prst="rect">
+            <a:avLst/>
+          </a:prstGeom>
+        </p:spPr>
+      </p:pic>
       <mc:AlternateContent xmlns:mc="http://schemas.openxmlformats.org/markup-compatibility/2006" xmlns:a14="http://schemas.microsoft.com/office/drawing/2010/main">
         <mc:Choice Requires="a14">
           <p:sp>
@@ -3453,14 +3483,14 @@
       </mc:AlternateContent>
       <p:sp>
         <p:nvSpPr>
-          <p:cNvPr id="22" name="TextBox 21"/>
+          <p:cNvPr id="10" name="TextBox 9"/>
           <p:cNvSpPr txBox="1"/>
           <p:nvPr/>
         </p:nvSpPr>
         <p:spPr>
           <a:xfrm>
-            <a:off x="2150743" y="2738118"/>
-            <a:ext cx="622139" cy="400110"/>
+            <a:off x="912883" y="2791443"/>
+            <a:ext cx="2976842" cy="430887"/>
           </a:xfrm>
           <a:prstGeom prst="rect">
             <a:avLst/>
@@ -3475,26 +3505,47 @@
           <a:p>
             <a:pPr algn="ctr"/>
             <a:r>
-              <a:rPr lang="en-US" sz="2000" dirty="0">
+              <a:rPr lang="en-US" sz="2200" dirty="0">
                 <a:latin typeface="Palatino" charset="0"/>
                 <a:ea typeface="Palatino" charset="0"/>
                 <a:cs typeface="Palatino" charset="0"/>
               </a:rPr>
-              <a:t>(a)</a:t>
-            </a:r>
-          </a:p>
-        </p:txBody>
-      </p:sp>
-      <p:sp>
-        <p:nvSpPr>
-          <p:cNvPr id="23" name="TextBox 22"/>
+              <a:t>(a</a:t>
+            </a:r>
+            <a:r>
+              <a:rPr lang="en-US" sz="2200" dirty="0" smtClean="0">
+                <a:latin typeface="Palatino" charset="0"/>
+                <a:ea typeface="Palatino" charset="0"/>
+                <a:cs typeface="Palatino" charset="0"/>
+              </a:rPr>
+              <a:t>) </a:t>
+            </a:r>
+            <a:r>
+              <a:rPr lang="en-US" sz="2200" dirty="0" smtClean="0">
+                <a:latin typeface="Palatino" charset="0"/>
+                <a:ea typeface="Palatino" charset="0"/>
+                <a:cs typeface="Palatino" charset="0"/>
+              </a:rPr>
+              <a:t>Passive Inference</a:t>
+            </a:r>
+            <a:endParaRPr lang="en-US" sz="2200" dirty="0">
+              <a:latin typeface="Palatino" charset="0"/>
+              <a:ea typeface="Palatino" charset="0"/>
+              <a:cs typeface="Palatino" charset="0"/>
+            </a:endParaRPr>
+          </a:p>
+        </p:txBody>
+      </p:sp>
+      <p:sp>
+        <p:nvSpPr>
+          <p:cNvPr id="11" name="TextBox 10"/>
           <p:cNvSpPr txBox="1"/>
           <p:nvPr/>
         </p:nvSpPr>
         <p:spPr>
           <a:xfrm>
-            <a:off x="5635985" y="2738118"/>
-            <a:ext cx="622139" cy="400110"/>
+            <a:off x="4802608" y="2790471"/>
+            <a:ext cx="2940856" cy="430887"/>
           </a:xfrm>
           <a:prstGeom prst="rect">
             <a:avLst/>
@@ -3509,26 +3560,47 @@
           <a:p>
             <a:pPr algn="ctr"/>
             <a:r>
-              <a:rPr lang="en-US" sz="2000" dirty="0">
+              <a:rPr lang="en-US" sz="2200" dirty="0">
                 <a:latin typeface="Palatino" charset="0"/>
                 <a:ea typeface="Palatino" charset="0"/>
                 <a:cs typeface="Palatino" charset="0"/>
               </a:rPr>
-              <a:t>(b)</a:t>
-            </a:r>
-          </a:p>
-        </p:txBody>
-      </p:sp>
-      <p:sp>
-        <p:nvSpPr>
-          <p:cNvPr id="10" name="TextBox 9"/>
+              <a:t>(b</a:t>
+            </a:r>
+            <a:r>
+              <a:rPr lang="en-US" sz="2200" dirty="0" smtClean="0">
+                <a:latin typeface="Palatino" charset="0"/>
+                <a:ea typeface="Palatino" charset="0"/>
+                <a:cs typeface="Palatino" charset="0"/>
+              </a:rPr>
+              <a:t>) </a:t>
+            </a:r>
+            <a:r>
+              <a:rPr lang="en-US" sz="2200" dirty="0" smtClean="0">
+                <a:latin typeface="Palatino" charset="0"/>
+                <a:ea typeface="Palatino" charset="0"/>
+                <a:cs typeface="Palatino" charset="0"/>
+              </a:rPr>
+              <a:t>Active Inference</a:t>
+            </a:r>
+            <a:endParaRPr lang="en-US" sz="2200" dirty="0">
+              <a:latin typeface="Palatino" charset="0"/>
+              <a:ea typeface="Palatino" charset="0"/>
+              <a:cs typeface="Palatino" charset="0"/>
+            </a:endParaRPr>
+          </a:p>
+        </p:txBody>
+      </p:sp>
+      <p:sp>
+        <p:nvSpPr>
+          <p:cNvPr id="12" name="TextBox 11"/>
           <p:cNvSpPr txBox="1"/>
           <p:nvPr/>
         </p:nvSpPr>
         <p:spPr>
           <a:xfrm>
-            <a:off x="3624894" y="5972814"/>
-            <a:ext cx="622139" cy="400110"/>
+            <a:off x="2548065" y="5914942"/>
+            <a:ext cx="3096894" cy="430887"/>
           </a:xfrm>
           <a:prstGeom prst="rect">
             <a:avLst/>
@@ -3543,46 +3615,29 @@
           <a:p>
             <a:pPr algn="ctr"/>
             <a:r>
-              <a:rPr lang="en-US" sz="2000" dirty="0">
+              <a:rPr lang="en-US" sz="2200" dirty="0">
                 <a:latin typeface="Palatino" charset="0"/>
                 <a:ea typeface="Palatino" charset="0"/>
                 <a:cs typeface="Palatino" charset="0"/>
               </a:rPr>
-              <a:t>(c)</a:t>
-            </a:r>
-          </a:p>
-        </p:txBody>
-      </p:sp>
-      <p:pic>
-        <p:nvPicPr>
-          <p:cNvPr id="2" name="Picture 1"/>
-          <p:cNvPicPr>
-            <a:picLocks noChangeAspect="1"/>
-          </p:cNvPicPr>
-          <p:nvPr/>
-        </p:nvPicPr>
-        <p:blipFill>
-          <a:blip r:embed="rId4">
-            <a:extLst>
-              <a:ext uri="{28A0092B-C50C-407E-A947-70E740481C1C}">
-                <a14:useLocalDpi xmlns:a14="http://schemas.microsoft.com/office/drawing/2010/main" val="0"/>
-              </a:ext>
-            </a:extLst>
-          </a:blip>
-          <a:stretch>
-            <a:fillRect/>
-          </a:stretch>
-        </p:blipFill>
-        <p:spPr>
-          <a:xfrm>
-            <a:off x="-160549" y="65844"/>
-            <a:ext cx="8193024" cy="6144768"/>
-          </a:xfrm>
-          <a:prstGeom prst="rect">
-            <a:avLst/>
-          </a:prstGeom>
-        </p:spPr>
-      </p:pic>
+              <a:t>(c</a:t>
+            </a:r>
+            <a:r>
+              <a:rPr lang="en-US" sz="2200" dirty="0" smtClean="0">
+                <a:latin typeface="Palatino" charset="0"/>
+                <a:ea typeface="Palatino" charset="0"/>
+                <a:cs typeface="Palatino" charset="0"/>
+              </a:rPr>
+              <a:t>) Beliefs in true goal</a:t>
+            </a:r>
+            <a:endParaRPr lang="en-US" sz="2200" dirty="0">
+              <a:latin typeface="Palatino" charset="0"/>
+              <a:ea typeface="Palatino" charset="0"/>
+              <a:cs typeface="Palatino" charset="0"/>
+            </a:endParaRPr>
+          </a:p>
+        </p:txBody>
+      </p:sp>
     </p:spTree>
     <p:extLst>
       <p:ext uri="{BB962C8B-B14F-4D97-AF65-F5344CB8AC3E}">
